--- a/git&github.pptx
+++ b/git&github.pptx
@@ -5,20 +5,24 @@
     <p:sldMasterId id="2147483672" r:id="rId4"/>
   </p:sldMasterIdLst>
   <p:notesMasterIdLst>
-    <p:notesMasterId r:id="rId13"/>
+    <p:notesMasterId r:id="rId17"/>
   </p:notesMasterIdLst>
   <p:handoutMasterIdLst>
-    <p:handoutMasterId r:id="rId14"/>
+    <p:handoutMasterId r:id="rId18"/>
   </p:handoutMasterIdLst>
   <p:sldIdLst>
     <p:sldId id="256" r:id="rId5"/>
-    <p:sldId id="259" r:id="rId6"/>
-    <p:sldId id="261" r:id="rId7"/>
-    <p:sldId id="262" r:id="rId8"/>
-    <p:sldId id="263" r:id="rId9"/>
-    <p:sldId id="264" r:id="rId10"/>
-    <p:sldId id="265" r:id="rId11"/>
-    <p:sldId id="260" r:id="rId12"/>
+    <p:sldId id="266" r:id="rId6"/>
+    <p:sldId id="267" r:id="rId7"/>
+    <p:sldId id="268" r:id="rId8"/>
+    <p:sldId id="269" r:id="rId9"/>
+    <p:sldId id="259" r:id="rId10"/>
+    <p:sldId id="261" r:id="rId11"/>
+    <p:sldId id="262" r:id="rId12"/>
+    <p:sldId id="263" r:id="rId13"/>
+    <p:sldId id="264" r:id="rId14"/>
+    <p:sldId id="265" r:id="rId15"/>
+    <p:sldId id="260" r:id="rId16"/>
   </p:sldIdLst>
   <p:sldSz cx="12192000" cy="6858000"/>
   <p:notesSz cx="6858000" cy="9144000"/>
@@ -1076,12 +1080,12 @@
     </dgm:pt>
   </dgm:ptLst>
   <dgm:cxnLst>
+    <dgm:cxn modelId="{0B5DAE5F-BCDC-4BF7-A6E7-CF856886A64D}" srcId="{7E5AA53B-3EEE-4DE4-BB81-9044890C2946}" destId="{6750AC01-D39D-4F3A-9DC8-2A211EE986A2}" srcOrd="0" destOrd="0" parTransId="{720680DC-AAA4-4434-A582-60EBCC5BA355}" sibTransId="{CA077D98-8478-47EA-B6A9-99ACE60C64D4}"/>
+    <dgm:cxn modelId="{4A378892-5CCC-4F0D-8A38-4BEAECF30F24}" type="presOf" srcId="{0BEF68B8-1228-47BB-83B5-7B9CD1E3F84E}" destId="{95DE6538-27BD-44AF-A1A8-CA8F6B10FDD2}" srcOrd="0" destOrd="0" presId="urn:microsoft.com/office/officeart/2008/layout/VerticalCurvedList"/>
+    <dgm:cxn modelId="{4F65CC8F-B5A8-40BE-A32B-05862B543D6A}" type="presOf" srcId="{7E5AA53B-3EEE-4DE4-BB81-9044890C2946}" destId="{57806726-6E60-4ACC-9C1C-7DF9CC365A10}" srcOrd="0" destOrd="0" presId="urn:microsoft.com/office/officeart/2008/layout/VerticalCurvedList"/>
+    <dgm:cxn modelId="{A11E3B12-1828-45A7-86C3-BB85832DF84D}" type="presOf" srcId="{CA077D98-8478-47EA-B6A9-99ACE60C64D4}" destId="{D79B43FC-100B-4A0D-A4D5-0D2D04B99064}" srcOrd="0" destOrd="0" presId="urn:microsoft.com/office/officeart/2008/layout/VerticalCurvedList"/>
+    <dgm:cxn modelId="{EDEF4F82-1237-4639-A0F7-385C1897CE66}" srcId="{7E5AA53B-3EEE-4DE4-BB81-9044890C2946}" destId="{0BEF68B8-1228-47BB-83B5-7B9CD1E3F84E}" srcOrd="1" destOrd="0" parTransId="{ED3A4BC2-B75A-4952-A38B-A42B5995DF05}" sibTransId="{FD949706-EDCC-4ADC-8EDF-8EDA49C92325}"/>
     <dgm:cxn modelId="{29DA474E-5DFA-4C66-882F-319C49ABBB19}" type="presOf" srcId="{6750AC01-D39D-4F3A-9DC8-2A211EE986A2}" destId="{58319267-C71E-43C9-94E1-827D0616C7A7}" srcOrd="0" destOrd="0" presId="urn:microsoft.com/office/officeart/2008/layout/VerticalCurvedList"/>
-    <dgm:cxn modelId="{4F65CC8F-B5A8-40BE-A32B-05862B543D6A}" type="presOf" srcId="{7E5AA53B-3EEE-4DE4-BB81-9044890C2946}" destId="{57806726-6E60-4ACC-9C1C-7DF9CC365A10}" srcOrd="0" destOrd="0" presId="urn:microsoft.com/office/officeart/2008/layout/VerticalCurvedList"/>
-    <dgm:cxn modelId="{0B5DAE5F-BCDC-4BF7-A6E7-CF856886A64D}" srcId="{7E5AA53B-3EEE-4DE4-BB81-9044890C2946}" destId="{6750AC01-D39D-4F3A-9DC8-2A211EE986A2}" srcOrd="0" destOrd="0" parTransId="{720680DC-AAA4-4434-A582-60EBCC5BA355}" sibTransId="{CA077D98-8478-47EA-B6A9-99ACE60C64D4}"/>
-    <dgm:cxn modelId="{A11E3B12-1828-45A7-86C3-BB85832DF84D}" type="presOf" srcId="{CA077D98-8478-47EA-B6A9-99ACE60C64D4}" destId="{D79B43FC-100B-4A0D-A4D5-0D2D04B99064}" srcOrd="0" destOrd="0" presId="urn:microsoft.com/office/officeart/2008/layout/VerticalCurvedList"/>
-    <dgm:cxn modelId="{4A378892-5CCC-4F0D-8A38-4BEAECF30F24}" type="presOf" srcId="{0BEF68B8-1228-47BB-83B5-7B9CD1E3F84E}" destId="{95DE6538-27BD-44AF-A1A8-CA8F6B10FDD2}" srcOrd="0" destOrd="0" presId="urn:microsoft.com/office/officeart/2008/layout/VerticalCurvedList"/>
-    <dgm:cxn modelId="{EDEF4F82-1237-4639-A0F7-385C1897CE66}" srcId="{7E5AA53B-3EEE-4DE4-BB81-9044890C2946}" destId="{0BEF68B8-1228-47BB-83B5-7B9CD1E3F84E}" srcOrd="1" destOrd="0" parTransId="{ED3A4BC2-B75A-4952-A38B-A42B5995DF05}" sibTransId="{FD949706-EDCC-4ADC-8EDF-8EDA49C92325}"/>
     <dgm:cxn modelId="{4E25B52E-70EF-4A0F-B410-0B49263AF380}" type="presParOf" srcId="{57806726-6E60-4ACC-9C1C-7DF9CC365A10}" destId="{90561C55-3C6E-4D53-85E1-2C50BCDDA392}" srcOrd="0" destOrd="0" presId="urn:microsoft.com/office/officeart/2008/layout/VerticalCurvedList"/>
     <dgm:cxn modelId="{2B3DD9E4-EC9C-4B92-B380-F89BF82E7CF3}" type="presParOf" srcId="{90561C55-3C6E-4D53-85E1-2C50BCDDA392}" destId="{B6CD42EC-5AD4-4004-AE5B-47EDA668DAA8}" srcOrd="0" destOrd="0" presId="urn:microsoft.com/office/officeart/2008/layout/VerticalCurvedList"/>
     <dgm:cxn modelId="{EA357085-80A4-4D1D-9BD2-56B1E9A721FB}" type="presParOf" srcId="{B6CD42EC-5AD4-4004-AE5B-47EDA668DAA8}" destId="{963B8EE3-40CC-4A0A-B420-D0BF920973CE}" srcOrd="0" destOrd="0" presId="urn:microsoft.com/office/officeart/2008/layout/VerticalCurvedList"/>
@@ -3853,7 +3857,7 @@
           <a:p>
             <a:fld id="{4929A4FD-FAFB-4CDA-9DC5-D20CA18269A9}" type="datetimeFigureOut">
               <a:rPr lang="en-US" smtClean="0"/>
-              <a:t>10/13/2022</a:t>
+              <a:t>10/20/2022</a:t>
             </a:fld>
             <a:endParaRPr lang="en-US" dirty="0"/>
           </a:p>
@@ -4030,7 +4034,7 @@
           <a:p>
             <a:fld id="{CB91E35E-F34C-4F0E-B8A1-D9F5F49CB3AD}" type="datetimeFigureOut">
               <a:rPr lang="en-US" smtClean="0"/>
-              <a:t>10/13/2022</a:t>
+              <a:t>10/20/2022</a:t>
             </a:fld>
             <a:endParaRPr lang="en-US" dirty="0"/>
           </a:p>
@@ -4446,7 +4450,7 @@
           <a:p>
             <a:fld id="{CD3F15BC-4AA1-41C4-8C26-91A7E3BB93DC}" type="slidenum">
               <a:rPr lang="en-US" smtClean="0"/>
-              <a:t>2</a:t>
+              <a:t>6</a:t>
             </a:fld>
             <a:endParaRPr lang="en-US" dirty="0"/>
           </a:p>
@@ -4530,7 +4534,7 @@
           <a:p>
             <a:fld id="{CD3F15BC-4AA1-41C4-8C26-91A7E3BB93DC}" type="slidenum">
               <a:rPr lang="en-US" smtClean="0"/>
-              <a:t>8</a:t>
+              <a:t>12</a:t>
             </a:fld>
             <a:endParaRPr lang="en-US" dirty="0"/>
           </a:p>
@@ -4795,7 +4799,7 @@
             <a:fld id="{B61BEF0D-F0BB-DE4B-95CE-6DB70DBA9567}" type="datetimeFigureOut">
               <a:rPr lang="en-US" smtClean="0"/>
               <a:pPr/>
-              <a:t>10/13/2022</a:t>
+              <a:t>10/20/2022</a:t>
             </a:fld>
             <a:endParaRPr lang="en-US" dirty="0"/>
           </a:p>
@@ -5059,7 +5063,7 @@
             <a:fld id="{B61BEF0D-F0BB-DE4B-95CE-6DB70DBA9567}" type="datetimeFigureOut">
               <a:rPr lang="en-US" smtClean="0"/>
               <a:pPr/>
-              <a:t>10/13/2022</a:t>
+              <a:t>10/20/2022</a:t>
             </a:fld>
             <a:endParaRPr lang="en-US" dirty="0"/>
           </a:p>
@@ -5296,7 +5300,7 @@
             <a:fld id="{B61BEF0D-F0BB-DE4B-95CE-6DB70DBA9567}" type="datetimeFigureOut">
               <a:rPr lang="en-US" smtClean="0"/>
               <a:pPr/>
-              <a:t>10/13/2022</a:t>
+              <a:t>10/20/2022</a:t>
             </a:fld>
             <a:endParaRPr lang="en-US" dirty="0"/>
           </a:p>
@@ -5538,7 +5542,7 @@
             <a:fld id="{B61BEF0D-F0BB-DE4B-95CE-6DB70DBA9567}" type="datetimeFigureOut">
               <a:rPr lang="en-US" smtClean="0"/>
               <a:pPr/>
-              <a:t>10/13/2022</a:t>
+              <a:t>10/20/2022</a:t>
             </a:fld>
             <a:endParaRPr lang="en-US" dirty="0"/>
           </a:p>
@@ -5847,7 +5851,7 @@
             <a:fld id="{B61BEF0D-F0BB-DE4B-95CE-6DB70DBA9567}" type="datetimeFigureOut">
               <a:rPr lang="en-US" smtClean="0"/>
               <a:pPr/>
-              <a:t>10/13/2022</a:t>
+              <a:t>10/20/2022</a:t>
             </a:fld>
             <a:endParaRPr lang="en-US" dirty="0"/>
           </a:p>
@@ -6151,7 +6155,7 @@
             <a:fld id="{B61BEF0D-F0BB-DE4B-95CE-6DB70DBA9567}" type="datetimeFigureOut">
               <a:rPr lang="en-US" smtClean="0"/>
               <a:pPr/>
-              <a:t>10/13/2022</a:t>
+              <a:t>10/20/2022</a:t>
             </a:fld>
             <a:endParaRPr lang="en-US" dirty="0"/>
           </a:p>
@@ -6575,7 +6579,7 @@
             <a:fld id="{B61BEF0D-F0BB-DE4B-95CE-6DB70DBA9567}" type="datetimeFigureOut">
               <a:rPr lang="en-US" smtClean="0"/>
               <a:pPr/>
-              <a:t>10/13/2022</a:t>
+              <a:t>10/20/2022</a:t>
             </a:fld>
             <a:endParaRPr lang="en-US" dirty="0"/>
           </a:p>
@@ -6672,7 +6676,7 @@
             <a:fld id="{B61BEF0D-F0BB-DE4B-95CE-6DB70DBA9567}" type="datetimeFigureOut">
               <a:rPr lang="en-US" smtClean="0"/>
               <a:pPr/>
-              <a:t>10/13/2022</a:t>
+              <a:t>10/20/2022</a:t>
             </a:fld>
             <a:endParaRPr lang="en-US" dirty="0"/>
           </a:p>
@@ -6836,7 +6840,7 @@
             <a:fld id="{B61BEF0D-F0BB-DE4B-95CE-6DB70DBA9567}" type="datetimeFigureOut">
               <a:rPr lang="en-US" smtClean="0"/>
               <a:pPr/>
-              <a:t>10/13/2022</a:t>
+              <a:t>10/20/2022</a:t>
             </a:fld>
             <a:endParaRPr lang="en-US" dirty="0"/>
           </a:p>
@@ -7216,7 +7220,7 @@
             <a:fld id="{B61BEF0D-F0BB-DE4B-95CE-6DB70DBA9567}" type="datetimeFigureOut">
               <a:rPr lang="en-US" smtClean="0"/>
               <a:pPr/>
-              <a:t>10/13/2022</a:t>
+              <a:t>10/20/2022</a:t>
             </a:fld>
             <a:endParaRPr lang="en-US" dirty="0"/>
           </a:p>
@@ -7507,7 +7511,7 @@
             <a:fld id="{B61BEF0D-F0BB-DE4B-95CE-6DB70DBA9567}" type="datetimeFigureOut">
               <a:rPr lang="en-US" smtClean="0"/>
               <a:pPr/>
-              <a:t>10/13/2022</a:t>
+              <a:t>10/20/2022</a:t>
             </a:fld>
             <a:endParaRPr lang="en-US" dirty="0"/>
           </a:p>
@@ -7720,7 +7724,7 @@
             <a:fld id="{B61BEF0D-F0BB-DE4B-95CE-6DB70DBA9567}" type="datetimeFigureOut">
               <a:rPr lang="en-US" smtClean="0"/>
               <a:pPr/>
-              <a:t>10/13/2022</a:t>
+              <a:t>10/20/2022</a:t>
             </a:fld>
             <a:endParaRPr lang="en-US" dirty="0"/>
           </a:p>
@@ -8338,7 +8342,7 @@
                 <a16:creationId xmlns:a16="http://schemas.microsoft.com/office/drawing/2014/main" id="{493D4EDA-58E0-40CC-B3CA-14CDEB349D24}"/>
               </a:ext>
               <a:ext uri="{C183D7F6-B498-43B3-948B-1728B52AA6E4}">
-                <adec:decorative xmlns:adec="http://schemas.microsoft.com/office/drawing/2017/decorative" xmlns="" val="1"/>
+                <adec:decorative xmlns="" xmlns:adec="http://schemas.microsoft.com/office/drawing/2017/decorative" val="1"/>
               </a:ext>
             </a:extLst>
           </p:cNvPr>
@@ -8433,7 +8437,7 @@
                 <a16:creationId xmlns:a16="http://schemas.microsoft.com/office/drawing/2014/main" id="{AA9EB0BC-A85E-4C26-B355-5DFCEF6CCB49}"/>
               </a:ext>
               <a:ext uri="{C183D7F6-B498-43B3-948B-1728B52AA6E4}">
-                <adec:decorative xmlns:adec="http://schemas.microsoft.com/office/drawing/2017/decorative" xmlns="" val="1"/>
+                <adec:decorative xmlns="" xmlns:adec="http://schemas.microsoft.com/office/drawing/2017/decorative" val="1"/>
               </a:ext>
             </a:extLst>
           </p:cNvPr>
@@ -8464,7 +8468,7 @@
                   <a16:creationId xmlns:a16="http://schemas.microsoft.com/office/drawing/2014/main" id="{3643E56B-BD42-413D-B17D-7958270F5DE4}"/>
                 </a:ext>
                 <a:ext uri="{C183D7F6-B498-43B3-948B-1728B52AA6E4}">
-                  <adec:decorative xmlns:adec="http://schemas.microsoft.com/office/drawing/2017/decorative" xmlns="" val="1"/>
+                  <adec:decorative xmlns="" xmlns:adec="http://schemas.microsoft.com/office/drawing/2017/decorative" val="1"/>
                 </a:ext>
               </a:extLst>
             </p:cNvPr>
@@ -8516,7 +8520,7 @@
                   <a16:creationId xmlns:a16="http://schemas.microsoft.com/office/drawing/2014/main" id="{96C04F74-9467-4FA5-95DC-8D481A29740E}"/>
                 </a:ext>
                 <a:ext uri="{C183D7F6-B498-43B3-948B-1728B52AA6E4}">
-                  <adec:decorative xmlns:adec="http://schemas.microsoft.com/office/drawing/2017/decorative" xmlns="" val="1"/>
+                  <adec:decorative xmlns="" xmlns:adec="http://schemas.microsoft.com/office/drawing/2017/decorative" val="1"/>
                 </a:ext>
               </a:extLst>
             </p:cNvPr>
@@ -8568,7 +8572,7 @@
                   <a16:creationId xmlns:a16="http://schemas.microsoft.com/office/drawing/2014/main" id="{D73DE1C3-5C37-42E9-A3F0-256F1938327C}"/>
                 </a:ext>
                 <a:ext uri="{C183D7F6-B498-43B3-948B-1728B52AA6E4}">
-                  <adec:decorative xmlns:adec="http://schemas.microsoft.com/office/drawing/2017/decorative" xmlns="" val="1"/>
+                  <adec:decorative xmlns="" xmlns:adec="http://schemas.microsoft.com/office/drawing/2017/decorative" val="1"/>
                 </a:ext>
               </a:extLst>
             </p:cNvPr>
@@ -8621,7 +8625,7 @@
                 <a16:creationId xmlns:a16="http://schemas.microsoft.com/office/drawing/2014/main" id="{4A2E7EC3-E07C-46CE-9B25-41865A50681C}"/>
               </a:ext>
               <a:ext uri="{C183D7F6-B498-43B3-948B-1728B52AA6E4}">
-                <adec:decorative xmlns:adec="http://schemas.microsoft.com/office/drawing/2017/decorative" xmlns="" val="1"/>
+                <adec:decorative xmlns="" xmlns:adec="http://schemas.microsoft.com/office/drawing/2017/decorative" val="1"/>
               </a:ext>
             </a:extLst>
           </p:cNvPr>
@@ -8820,795 +8824,7 @@
 </p:sld>
 </file>
 
-<file path=ppt/slides/slide2.xml><?xml version="1.0" encoding="utf-8"?>
-<p:sld xmlns:a="http://schemas.openxmlformats.org/drawingml/2006/main" xmlns:r="http://schemas.openxmlformats.org/officeDocument/2006/relationships" xmlns:p="http://schemas.openxmlformats.org/presentationml/2006/main">
-  <p:cSld>
-    <p:bg>
-      <p:bgPr>
-        <a:solidFill>
-          <a:schemeClr val="bg1"/>
-        </a:solidFill>
-        <a:effectLst/>
-      </p:bgPr>
-    </p:bg>
-    <p:spTree>
-      <p:nvGrpSpPr>
-        <p:cNvPr id="1" name=""/>
-        <p:cNvGrpSpPr/>
-        <p:nvPr/>
-      </p:nvGrpSpPr>
-      <p:grpSpPr>
-        <a:xfrm>
-          <a:off x="0" y="0"/>
-          <a:ext cx="0" cy="0"/>
-          <a:chOff x="0" y="0"/>
-          <a:chExt cx="0" cy="0"/>
-        </a:xfrm>
-      </p:grpSpPr>
-      <p:sp useBgFill="1">
-        <p:nvSpPr>
-          <p:cNvPr id="13" name="Rectangle 12">
-            <a:extLst>
-              <a:ext uri="{FF2B5EF4-FFF2-40B4-BE49-F238E27FC236}">
-                <a16:creationId xmlns:a16="http://schemas.microsoft.com/office/drawing/2014/main" id="{4AE9D071-98CF-435C-BD2B-976514544DC5}"/>
-              </a:ext>
-              <a:ext uri="{C183D7F6-B498-43B3-948B-1728B52AA6E4}">
-                <adec:decorative xmlns:adec="http://schemas.microsoft.com/office/drawing/2017/decorative" xmlns="" val="1"/>
-              </a:ext>
-            </a:extLst>
-          </p:cNvPr>
-          <p:cNvSpPr>
-            <a:spLocks noGrp="1" noRot="1" noChangeAspect="1" noMove="1" noResize="1" noEditPoints="1" noAdjustHandles="1" noChangeArrowheads="1" noChangeShapeType="1" noTextEdit="1"/>
-          </p:cNvSpPr>
-          <p:nvPr>
-            <p:extLst>
-              <p:ext uri="{386F3935-93C4-4BCD-93E2-E3B085C9AB24}">
-                <p16:designElem xmlns:p16="http://schemas.microsoft.com/office/powerpoint/2015/main" val="1"/>
-              </p:ext>
-            </p:extLst>
-          </p:nvPr>
-        </p:nvSpPr>
-        <p:spPr>
-          <a:xfrm>
-            <a:off x="0" y="0"/>
-            <a:ext cx="12192000" cy="6858000"/>
-          </a:xfrm>
-          <a:prstGeom prst="rect">
-            <a:avLst/>
-          </a:prstGeom>
-          <a:ln>
-            <a:noFill/>
-          </a:ln>
-        </p:spPr>
-        <p:style>
-          <a:lnRef idx="2">
-            <a:schemeClr val="accent1">
-              <a:shade val="50000"/>
-            </a:schemeClr>
-          </a:lnRef>
-          <a:fillRef idx="1">
-            <a:schemeClr val="accent1"/>
-          </a:fillRef>
-          <a:effectRef idx="0">
-            <a:schemeClr val="accent1"/>
-          </a:effectRef>
-          <a:fontRef idx="minor">
-            <a:schemeClr val="lt1"/>
-          </a:fontRef>
-        </p:style>
-        <p:txBody>
-          <a:bodyPr rtlCol="0" anchor="ctr"/>
-          <a:lstStyle/>
-          <a:p>
-            <a:pPr algn="ctr"/>
-            <a:endParaRPr lang="en-US" dirty="0"/>
-          </a:p>
-        </p:txBody>
-      </p:sp>
-      <p:pic>
-        <p:nvPicPr>
-          <p:cNvPr id="8" name="Content Placeholder 4" descr="Digital Numbers">
-            <a:extLst>
-              <a:ext uri="{FF2B5EF4-FFF2-40B4-BE49-F238E27FC236}">
-                <a16:creationId xmlns:a16="http://schemas.microsoft.com/office/drawing/2014/main" id="{EA70616B-E344-4856-8DF9-707C26236613}"/>
-              </a:ext>
-            </a:extLst>
-          </p:cNvPr>
-          <p:cNvPicPr>
-            <a:picLocks noChangeAspect="1"/>
-          </p:cNvPicPr>
-          <p:nvPr/>
-        </p:nvPicPr>
-        <p:blipFill rotWithShape="1">
-          <a:blip r:embed="rId3" cstate="screen">
-            <a:extLst>
-              <a:ext uri="{28A0092B-C50C-407E-A947-70E740481C1C}">
-                <a14:useLocalDpi xmlns:a14="http://schemas.microsoft.com/office/drawing/2010/main"/>
-              </a:ext>
-            </a:extLst>
-          </a:blip>
-          <a:srcRect t="10681" r="9091" b="12711"/>
-          <a:stretch/>
-        </p:blipFill>
-        <p:spPr>
-          <a:xfrm>
-            <a:off x="20" y="10"/>
-            <a:ext cx="12191980" cy="6857990"/>
-          </a:xfrm>
-          <a:prstGeom prst="rect">
-            <a:avLst/>
-          </a:prstGeom>
-        </p:spPr>
-      </p:pic>
-      <p:grpSp>
-        <p:nvGrpSpPr>
-          <p:cNvPr id="15" name="Group 14">
-            <a:extLst>
-              <a:ext uri="{FF2B5EF4-FFF2-40B4-BE49-F238E27FC236}">
-                <a16:creationId xmlns:a16="http://schemas.microsoft.com/office/drawing/2014/main" id="{D619FC33-16ED-4246-9596-BEFEB55E4CF6}"/>
-              </a:ext>
-              <a:ext uri="{C183D7F6-B498-43B3-948B-1728B52AA6E4}">
-                <adec:decorative xmlns:adec="http://schemas.microsoft.com/office/drawing/2017/decorative" xmlns="" val="1"/>
-              </a:ext>
-            </a:extLst>
-          </p:cNvPr>
-          <p:cNvGrpSpPr>
-            <a:grpSpLocks noGrp="1" noUngrp="1" noRot="1" noChangeAspect="1" noMove="1" noResize="1"/>
-          </p:cNvGrpSpPr>
-          <p:nvPr>
-            <p:extLst>
-              <p:ext uri="{386F3935-93C4-4BCD-93E2-E3B085C9AB24}">
-                <p16:designElem xmlns:p16="http://schemas.microsoft.com/office/powerpoint/2015/main" val="1"/>
-              </p:ext>
-            </p:extLst>
-          </p:nvPr>
-        </p:nvGrpSpPr>
-        <p:grpSpPr>
-          <a:xfrm>
-            <a:off x="438067" y="457200"/>
-            <a:ext cx="7507083" cy="5935132"/>
-            <a:chOff x="438067" y="457200"/>
-            <a:chExt cx="7507083" cy="5935132"/>
-          </a:xfrm>
-        </p:grpSpPr>
-        <p:sp>
-          <p:nvSpPr>
-            <p:cNvPr id="16" name="Rectangle 15">
-              <a:extLst>
-                <a:ext uri="{FF2B5EF4-FFF2-40B4-BE49-F238E27FC236}">
-                  <a16:creationId xmlns:a16="http://schemas.microsoft.com/office/drawing/2014/main" id="{2EEA80E1-F99F-4009-837F-2F72F8A5D580}"/>
-                </a:ext>
-                <a:ext uri="{C183D7F6-B498-43B3-948B-1728B52AA6E4}">
-                  <adec:decorative xmlns:adec="http://schemas.microsoft.com/office/drawing/2017/decorative" xmlns="" val="1"/>
-                </a:ext>
-              </a:extLst>
-            </p:cNvPr>
-            <p:cNvSpPr/>
-            <p:nvPr>
-              <p:extLst>
-                <p:ext uri="{386F3935-93C4-4BCD-93E2-E3B085C9AB24}">
-                  <p16:designElem xmlns:p16="http://schemas.microsoft.com/office/powerpoint/2015/main" val="1"/>
-                </p:ext>
-              </p:extLst>
-            </p:nvPr>
-          </p:nvSpPr>
-          <p:spPr>
-            <a:xfrm>
-              <a:off x="438067" y="618067"/>
-              <a:ext cx="7503665" cy="5774265"/>
-            </a:xfrm>
-            <a:prstGeom prst="rect">
-              <a:avLst/>
-            </a:prstGeom>
-            <a:solidFill>
-              <a:schemeClr val="accent1">
-                <a:alpha val="97000"/>
-              </a:schemeClr>
-            </a:solidFill>
-            <a:ln w="6350" cmpd="sng">
-              <a:noFill/>
-            </a:ln>
-            <a:effectLst/>
-          </p:spPr>
-          <p:style>
-            <a:lnRef idx="1">
-              <a:schemeClr val="accent1"/>
-            </a:lnRef>
-            <a:fillRef idx="3">
-              <a:schemeClr val="accent1"/>
-            </a:fillRef>
-            <a:effectRef idx="2">
-              <a:schemeClr val="accent1"/>
-            </a:effectRef>
-            <a:fontRef idx="minor">
-              <a:schemeClr val="lt1"/>
-            </a:fontRef>
-          </p:style>
-        </p:sp>
-        <p:sp>
-          <p:nvSpPr>
-            <p:cNvPr id="17" name="Rectangle 16">
-              <a:extLst>
-                <a:ext uri="{FF2B5EF4-FFF2-40B4-BE49-F238E27FC236}">
-                  <a16:creationId xmlns:a16="http://schemas.microsoft.com/office/drawing/2014/main" id="{0230AF9A-4641-4BD8-9F95-9607CD304039}"/>
-                </a:ext>
-                <a:ext uri="{C183D7F6-B498-43B3-948B-1728B52AA6E4}">
-                  <adec:decorative xmlns:adec="http://schemas.microsoft.com/office/drawing/2017/decorative" xmlns="" val="1"/>
-                </a:ext>
-              </a:extLst>
-            </p:cNvPr>
-            <p:cNvSpPr/>
-            <p:nvPr>
-              <p:extLst>
-                <p:ext uri="{386F3935-93C4-4BCD-93E2-E3B085C9AB24}">
-                  <p16:designElem xmlns:p16="http://schemas.microsoft.com/office/powerpoint/2015/main" val="1"/>
-                </p:ext>
-              </p:extLst>
-            </p:nvPr>
-          </p:nvSpPr>
-          <p:spPr>
-            <a:xfrm>
-              <a:off x="438068" y="457200"/>
-              <a:ext cx="3703320" cy="94997"/>
-            </a:xfrm>
-            <a:prstGeom prst="rect">
-              <a:avLst/>
-            </a:prstGeom>
-            <a:solidFill>
-              <a:schemeClr val="accent1"/>
-            </a:solidFill>
-            <a:ln>
-              <a:noFill/>
-            </a:ln>
-            <a:effectLst/>
-          </p:spPr>
-          <p:style>
-            <a:lnRef idx="1">
-              <a:schemeClr val="accent1"/>
-            </a:lnRef>
-            <a:fillRef idx="3">
-              <a:schemeClr val="accent1"/>
-            </a:fillRef>
-            <a:effectRef idx="2">
-              <a:schemeClr val="accent1"/>
-            </a:effectRef>
-            <a:fontRef idx="minor">
-              <a:schemeClr val="lt1"/>
-            </a:fontRef>
-          </p:style>
-        </p:sp>
-        <p:sp>
-          <p:nvSpPr>
-            <p:cNvPr id="18" name="Rectangle 17">
-              <a:extLst>
-                <a:ext uri="{FF2B5EF4-FFF2-40B4-BE49-F238E27FC236}">
-                  <a16:creationId xmlns:a16="http://schemas.microsoft.com/office/drawing/2014/main" id="{8703D4EC-9389-41B6-B88B-B6FDC8CD3330}"/>
-                </a:ext>
-                <a:ext uri="{C183D7F6-B498-43B3-948B-1728B52AA6E4}">
-                  <adec:decorative xmlns:adec="http://schemas.microsoft.com/office/drawing/2017/decorative" xmlns="" val="1"/>
-                </a:ext>
-              </a:extLst>
-            </p:cNvPr>
-            <p:cNvSpPr/>
-            <p:nvPr>
-              <p:extLst>
-                <p:ext uri="{386F3935-93C4-4BCD-93E2-E3B085C9AB24}">
-                  <p16:designElem xmlns:p16="http://schemas.microsoft.com/office/powerpoint/2015/main" val="1"/>
-                </p:ext>
-              </p:extLst>
-            </p:nvPr>
-          </p:nvSpPr>
-          <p:spPr>
-            <a:xfrm>
-              <a:off x="4241830" y="457200"/>
-              <a:ext cx="3703320" cy="91440"/>
-            </a:xfrm>
-            <a:prstGeom prst="rect">
-              <a:avLst/>
-            </a:prstGeom>
-            <a:solidFill>
-              <a:schemeClr val="accent2"/>
-            </a:solidFill>
-            <a:ln>
-              <a:noFill/>
-            </a:ln>
-            <a:effectLst/>
-          </p:spPr>
-          <p:style>
-            <a:lnRef idx="1">
-              <a:schemeClr val="accent1"/>
-            </a:lnRef>
-            <a:fillRef idx="3">
-              <a:schemeClr val="accent1"/>
-            </a:fillRef>
-            <a:effectRef idx="2">
-              <a:schemeClr val="accent1"/>
-            </a:effectRef>
-            <a:fontRef idx="minor">
-              <a:schemeClr val="lt1"/>
-            </a:fontRef>
-          </p:style>
-        </p:sp>
-      </p:grpSp>
-      <p:sp>
-        <p:nvSpPr>
-          <p:cNvPr id="2" name="Title 1">
-            <a:extLst>
-              <a:ext uri="{FF2B5EF4-FFF2-40B4-BE49-F238E27FC236}">
-                <a16:creationId xmlns:a16="http://schemas.microsoft.com/office/drawing/2014/main" id="{7F2616EE-270D-4F4C-BA1F-2708D387B800}"/>
-              </a:ext>
-            </a:extLst>
-          </p:cNvPr>
-          <p:cNvSpPr>
-            <a:spLocks noGrp="1"/>
-          </p:cNvSpPr>
-          <p:nvPr>
-            <p:ph type="title"/>
-          </p:nvPr>
-        </p:nvSpPr>
-        <p:spPr>
-          <a:xfrm>
-            <a:off x="584200" y="1006956"/>
-            <a:ext cx="7213600" cy="1121871"/>
-          </a:xfrm>
-        </p:spPr>
-        <p:txBody>
-          <a:bodyPr anchor="ctr">
-            <a:normAutofit/>
-          </a:bodyPr>
-          <a:lstStyle/>
-          <a:p>
-            <a:pPr algn="ctr"/>
-            <a:r>
-              <a:rPr lang="en-US" dirty="0" smtClean="0"/>
-              <a:t>plan</a:t>
-            </a:r>
-            <a:endParaRPr lang="en-US" dirty="0"/>
-          </a:p>
-        </p:txBody>
-      </p:sp>
-      <p:graphicFrame>
-        <p:nvGraphicFramePr>
-          <p:cNvPr id="6" name="Content Placeholder 5" descr="SmartArt">
-            <a:extLst>
-              <a:ext uri="{FF2B5EF4-FFF2-40B4-BE49-F238E27FC236}">
-                <a16:creationId xmlns:a16="http://schemas.microsoft.com/office/drawing/2014/main" id="{BF629521-FFD2-45DA-9D1D-A5F09BD5A2D9}"/>
-              </a:ext>
-            </a:extLst>
-          </p:cNvPr>
-          <p:cNvGraphicFramePr>
-            <a:graphicFrameLocks noGrp="1"/>
-          </p:cNvGraphicFramePr>
-          <p:nvPr>
-            <p:ph idx="1"/>
-            <p:extLst>
-              <p:ext uri="{D42A27DB-BD31-4B8C-83A1-F6EECF244321}">
-                <p14:modId xmlns:p14="http://schemas.microsoft.com/office/powerpoint/2010/main" val="3148678175"/>
-              </p:ext>
-            </p:extLst>
-          </p:nvPr>
-        </p:nvGraphicFramePr>
-        <p:xfrm>
-          <a:off x="719571" y="2198254"/>
-          <a:ext cx="6854248" cy="3563938"/>
-        </p:xfrm>
-        <a:graphic>
-          <a:graphicData uri="http://schemas.openxmlformats.org/drawingml/2006/diagram">
-            <dgm:relIds xmlns:dgm="http://schemas.openxmlformats.org/drawingml/2006/diagram" xmlns:r="http://schemas.openxmlformats.org/officeDocument/2006/relationships" r:dm="rId4" r:lo="rId5" r:qs="rId6" r:cs="rId7"/>
-          </a:graphicData>
-        </a:graphic>
-      </p:graphicFrame>
-    </p:spTree>
-    <p:extLst>
-      <p:ext uri="{BB962C8B-B14F-4D97-AF65-F5344CB8AC3E}">
-        <p14:creationId xmlns:p14="http://schemas.microsoft.com/office/powerpoint/2010/main" val="4209322005"/>
-      </p:ext>
-    </p:extLst>
-  </p:cSld>
-  <p:clrMapOvr>
-    <a:masterClrMapping/>
-  </p:clrMapOvr>
-</p:sld>
-</file>
-
-<file path=ppt/slides/slide3.xml><?xml version="1.0" encoding="utf-8"?>
-<p:sld xmlns:a="http://schemas.openxmlformats.org/drawingml/2006/main" xmlns:r="http://schemas.openxmlformats.org/officeDocument/2006/relationships" xmlns:p="http://schemas.openxmlformats.org/presentationml/2006/main">
-  <p:cSld>
-    <p:spTree>
-      <p:nvGrpSpPr>
-        <p:cNvPr id="1" name=""/>
-        <p:cNvGrpSpPr/>
-        <p:nvPr/>
-      </p:nvGrpSpPr>
-      <p:grpSpPr>
-        <a:xfrm>
-          <a:off x="0" y="0"/>
-          <a:ext cx="0" cy="0"/>
-          <a:chOff x="0" y="0"/>
-          <a:chExt cx="0" cy="0"/>
-        </a:xfrm>
-      </p:grpSpPr>
-      <p:sp>
-        <p:nvSpPr>
-          <p:cNvPr id="2" name="Title 1"/>
-          <p:cNvSpPr>
-            <a:spLocks noGrp="1"/>
-          </p:cNvSpPr>
-          <p:nvPr>
-            <p:ph type="title"/>
-          </p:nvPr>
-        </p:nvSpPr>
-        <p:spPr>
-          <a:xfrm>
-            <a:off x="581191" y="918287"/>
-            <a:ext cx="11029616" cy="1013800"/>
-          </a:xfrm>
-        </p:spPr>
-        <p:txBody>
-          <a:bodyPr/>
-          <a:lstStyle/>
-          <a:p>
-            <a:r>
-              <a:rPr lang="en-US" dirty="0"/>
-              <a:t>Comment ça marche git et github 	</a:t>
-            </a:r>
-            <a:br>
-              <a:rPr lang="en-US" dirty="0"/>
-            </a:br>
-            <a:endParaRPr lang="en-US" dirty="0"/>
-          </a:p>
-        </p:txBody>
-      </p:sp>
-      <p:pic>
-        <p:nvPicPr>
-          <p:cNvPr id="4" name="Content Placeholder 3"/>
-          <p:cNvPicPr>
-            <a:picLocks noGrp="1" noChangeAspect="1"/>
-          </p:cNvPicPr>
-          <p:nvPr>
-            <p:ph idx="1"/>
-          </p:nvPr>
-        </p:nvPicPr>
-        <p:blipFill>
-          <a:blip r:embed="rId2">
-            <a:extLst>
-              <a:ext uri="{28A0092B-C50C-407E-A947-70E740481C1C}">
-                <a14:useLocalDpi xmlns:a14="http://schemas.microsoft.com/office/drawing/2010/main" val="0"/>
-              </a:ext>
-            </a:extLst>
-          </a:blip>
-          <a:stretch>
-            <a:fillRect/>
-          </a:stretch>
-        </p:blipFill>
-        <p:spPr>
-          <a:xfrm>
-            <a:off x="1556728" y="2181225"/>
-            <a:ext cx="8679533" cy="3678238"/>
-          </a:xfrm>
-        </p:spPr>
-      </p:pic>
-    </p:spTree>
-    <p:extLst>
-      <p:ext uri="{BB962C8B-B14F-4D97-AF65-F5344CB8AC3E}">
-        <p14:creationId xmlns:p14="http://schemas.microsoft.com/office/powerpoint/2010/main" val="3529108928"/>
-      </p:ext>
-    </p:extLst>
-  </p:cSld>
-  <p:clrMapOvr>
-    <a:masterClrMapping/>
-  </p:clrMapOvr>
-  <p:timing>
-    <p:tnLst>
-      <p:par>
-        <p:cTn id="1" dur="indefinite" restart="never" nodeType="tmRoot"/>
-      </p:par>
-    </p:tnLst>
-  </p:timing>
-</p:sld>
-</file>
-
-<file path=ppt/slides/slide4.xml><?xml version="1.0" encoding="utf-8"?>
-<p:sld xmlns:a="http://schemas.openxmlformats.org/drawingml/2006/main" xmlns:r="http://schemas.openxmlformats.org/officeDocument/2006/relationships" xmlns:p="http://schemas.openxmlformats.org/presentationml/2006/main">
-  <p:cSld>
-    <p:spTree>
-      <p:nvGrpSpPr>
-        <p:cNvPr id="1" name=""/>
-        <p:cNvGrpSpPr/>
-        <p:nvPr/>
-      </p:nvGrpSpPr>
-      <p:grpSpPr>
-        <a:xfrm>
-          <a:off x="0" y="0"/>
-          <a:ext cx="0" cy="0"/>
-          <a:chOff x="0" y="0"/>
-          <a:chExt cx="0" cy="0"/>
-        </a:xfrm>
-      </p:grpSpPr>
-      <p:sp>
-        <p:nvSpPr>
-          <p:cNvPr id="2" name="Title 1"/>
-          <p:cNvSpPr>
-            <a:spLocks noGrp="1"/>
-          </p:cNvSpPr>
-          <p:nvPr>
-            <p:ph type="title"/>
-          </p:nvPr>
-        </p:nvSpPr>
-        <p:spPr>
-          <a:xfrm>
-            <a:off x="581191" y="943225"/>
-            <a:ext cx="11029616" cy="1013800"/>
-          </a:xfrm>
-        </p:spPr>
-        <p:txBody>
-          <a:bodyPr/>
-          <a:lstStyle/>
-          <a:p>
-            <a:r>
-              <a:rPr lang="en-US" dirty="0"/>
-              <a:t>Les command </a:t>
-            </a:r>
-            <a:r>
-              <a:rPr lang="fr-FR" dirty="0"/>
-              <a:t>git</a:t>
-            </a:r>
-            <a:br>
-              <a:rPr lang="fr-FR" dirty="0"/>
-            </a:br>
-            <a:endParaRPr lang="en-US" dirty="0"/>
-          </a:p>
-        </p:txBody>
-      </p:sp>
-      <p:sp>
-        <p:nvSpPr>
-          <p:cNvPr id="3" name="Content Placeholder 2"/>
-          <p:cNvSpPr>
-            <a:spLocks noGrp="1"/>
-          </p:cNvSpPr>
-          <p:nvPr>
-            <p:ph idx="1"/>
-          </p:nvPr>
-        </p:nvSpPr>
-        <p:spPr>
-          <a:xfrm>
-            <a:off x="581192" y="2180496"/>
-            <a:ext cx="11029615" cy="845337"/>
-          </a:xfrm>
-        </p:spPr>
-        <p:txBody>
-          <a:bodyPr/>
-          <a:lstStyle/>
-          <a:p>
-            <a:r>
-              <a:rPr lang="en-US" dirty="0" smtClean="0"/>
-              <a:t>1)FORK </a:t>
-            </a:r>
-            <a:endParaRPr lang="en-US" dirty="0"/>
-          </a:p>
-        </p:txBody>
-      </p:sp>
-      <p:pic>
-        <p:nvPicPr>
-          <p:cNvPr id="4" name="Picture 3"/>
-          <p:cNvPicPr>
-            <a:picLocks noChangeAspect="1"/>
-          </p:cNvPicPr>
-          <p:nvPr/>
-        </p:nvPicPr>
-        <p:blipFill>
-          <a:blip r:embed="rId2">
-            <a:extLst>
-              <a:ext uri="{28A0092B-C50C-407E-A947-70E740481C1C}">
-                <a14:useLocalDpi xmlns:a14="http://schemas.microsoft.com/office/drawing/2010/main" val="0"/>
-              </a:ext>
-            </a:extLst>
-          </a:blip>
-          <a:stretch>
-            <a:fillRect/>
-          </a:stretch>
-        </p:blipFill>
-        <p:spPr>
-          <a:xfrm>
-            <a:off x="2418304" y="2310939"/>
-            <a:ext cx="7989230" cy="4147574"/>
-          </a:xfrm>
-          <a:prstGeom prst="rect">
-            <a:avLst/>
-          </a:prstGeom>
-        </p:spPr>
-      </p:pic>
-      <p:sp>
-        <p:nvSpPr>
-          <p:cNvPr id="5" name="Right Arrow 4"/>
-          <p:cNvSpPr/>
-          <p:nvPr/>
-        </p:nvSpPr>
-        <p:spPr>
-          <a:xfrm>
-            <a:off x="8362604" y="2740640"/>
-            <a:ext cx="739833" cy="415636"/>
-          </a:xfrm>
-          <a:prstGeom prst="rightArrow">
-            <a:avLst/>
-          </a:prstGeom>
-        </p:spPr>
-        <p:style>
-          <a:lnRef idx="2">
-            <a:schemeClr val="accent1">
-              <a:shade val="50000"/>
-            </a:schemeClr>
-          </a:lnRef>
-          <a:fillRef idx="1">
-            <a:schemeClr val="accent1"/>
-          </a:fillRef>
-          <a:effectRef idx="0">
-            <a:schemeClr val="accent1"/>
-          </a:effectRef>
-          <a:fontRef idx="minor">
-            <a:schemeClr val="lt1"/>
-          </a:fontRef>
-        </p:style>
-        <p:txBody>
-          <a:bodyPr rtlCol="0" anchor="ctr"/>
-          <a:lstStyle/>
-          <a:p>
-            <a:pPr algn="ctr"/>
-            <a:endParaRPr lang="en-US"/>
-          </a:p>
-        </p:txBody>
-      </p:sp>
-    </p:spTree>
-    <p:extLst>
-      <p:ext uri="{BB962C8B-B14F-4D97-AF65-F5344CB8AC3E}">
-        <p14:creationId xmlns:p14="http://schemas.microsoft.com/office/powerpoint/2010/main" val="2640740041"/>
-      </p:ext>
-    </p:extLst>
-  </p:cSld>
-  <p:clrMapOvr>
-    <a:masterClrMapping/>
-  </p:clrMapOvr>
-  <p:timing>
-    <p:tnLst>
-      <p:par>
-        <p:cTn id="1" dur="indefinite" restart="never" nodeType="tmRoot"/>
-      </p:par>
-    </p:tnLst>
-  </p:timing>
-</p:sld>
-</file>
-
-<file path=ppt/slides/slide5.xml><?xml version="1.0" encoding="utf-8"?>
-<p:sld xmlns:a="http://schemas.openxmlformats.org/drawingml/2006/main" xmlns:r="http://schemas.openxmlformats.org/officeDocument/2006/relationships" xmlns:p="http://schemas.openxmlformats.org/presentationml/2006/main">
-  <p:cSld>
-    <p:spTree>
-      <p:nvGrpSpPr>
-        <p:cNvPr id="1" name=""/>
-        <p:cNvGrpSpPr/>
-        <p:nvPr/>
-      </p:nvGrpSpPr>
-      <p:grpSpPr>
-        <a:xfrm>
-          <a:off x="0" y="0"/>
-          <a:ext cx="0" cy="0"/>
-          <a:chOff x="0" y="0"/>
-          <a:chExt cx="0" cy="0"/>
-        </a:xfrm>
-      </p:grpSpPr>
-      <p:sp>
-        <p:nvSpPr>
-          <p:cNvPr id="2" name="Title 1"/>
-          <p:cNvSpPr>
-            <a:spLocks noGrp="1"/>
-          </p:cNvSpPr>
-          <p:nvPr>
-            <p:ph type="title"/>
-          </p:nvPr>
-        </p:nvSpPr>
-        <p:spPr>
-          <a:xfrm>
-            <a:off x="581192" y="893349"/>
-            <a:ext cx="11029616" cy="1013800"/>
-          </a:xfrm>
-        </p:spPr>
-        <p:txBody>
-          <a:bodyPr/>
-          <a:lstStyle/>
-          <a:p>
-            <a:r>
-              <a:rPr lang="en-US" dirty="0"/>
-              <a:t>Les command </a:t>
-            </a:r>
-            <a:r>
-              <a:rPr lang="fr-FR" dirty="0"/>
-              <a:t>git</a:t>
-            </a:r>
-            <a:br>
-              <a:rPr lang="fr-FR" dirty="0"/>
-            </a:br>
-            <a:endParaRPr lang="en-US" dirty="0"/>
-          </a:p>
-        </p:txBody>
-      </p:sp>
-      <p:sp>
-        <p:nvSpPr>
-          <p:cNvPr id="3" name="Content Placeholder 2"/>
-          <p:cNvSpPr>
-            <a:spLocks noGrp="1"/>
-          </p:cNvSpPr>
-          <p:nvPr>
-            <p:ph idx="1"/>
-          </p:nvPr>
-        </p:nvSpPr>
-        <p:spPr>
-          <a:xfrm>
-            <a:off x="581192" y="2180497"/>
-            <a:ext cx="11029615" cy="978339"/>
-          </a:xfrm>
-        </p:spPr>
-        <p:txBody>
-          <a:bodyPr/>
-          <a:lstStyle/>
-          <a:p>
-            <a:r>
-              <a:rPr lang="en-US" dirty="0" smtClean="0"/>
-              <a:t>2)clone</a:t>
-            </a:r>
-            <a:endParaRPr lang="en-US" dirty="0"/>
-          </a:p>
-        </p:txBody>
-      </p:sp>
-      <p:pic>
-        <p:nvPicPr>
-          <p:cNvPr id="4" name="Picture 3"/>
-          <p:cNvPicPr>
-            <a:picLocks noChangeAspect="1"/>
-          </p:cNvPicPr>
-          <p:nvPr/>
-        </p:nvPicPr>
-        <p:blipFill>
-          <a:blip r:embed="rId2">
-            <a:extLst>
-              <a:ext uri="{28A0092B-C50C-407E-A947-70E740481C1C}">
-                <a14:useLocalDpi xmlns:a14="http://schemas.microsoft.com/office/drawing/2010/main" val="0"/>
-              </a:ext>
-            </a:extLst>
-          </a:blip>
-          <a:stretch>
-            <a:fillRect/>
-          </a:stretch>
-        </p:blipFill>
-        <p:spPr>
-          <a:xfrm>
-            <a:off x="711305" y="3158836"/>
-            <a:ext cx="5515745" cy="2819817"/>
-          </a:xfrm>
-          <a:prstGeom prst="rect">
-            <a:avLst/>
-          </a:prstGeom>
-        </p:spPr>
-      </p:pic>
-    </p:spTree>
-    <p:extLst>
-      <p:ext uri="{BB962C8B-B14F-4D97-AF65-F5344CB8AC3E}">
-        <p14:creationId xmlns:p14="http://schemas.microsoft.com/office/powerpoint/2010/main" val="1514852365"/>
-      </p:ext>
-    </p:extLst>
-  </p:cSld>
-  <p:clrMapOvr>
-    <a:masterClrMapping/>
-  </p:clrMapOvr>
-  <p:timing>
-    <p:tnLst>
-      <p:par>
-        <p:cTn id="1" dur="indefinite" restart="never" nodeType="tmRoot"/>
-      </p:par>
-    </p:tnLst>
-  </p:timing>
-</p:sld>
-</file>
-
-<file path=ppt/slides/slide6.xml><?xml version="1.0" encoding="utf-8"?>
+<file path=ppt/slides/slide10.xml><?xml version="1.0" encoding="utf-8"?>
 <p:sld xmlns:a="http://schemas.openxmlformats.org/drawingml/2006/main" xmlns:r="http://schemas.openxmlformats.org/officeDocument/2006/relationships" xmlns:p="http://schemas.openxmlformats.org/presentationml/2006/main">
   <p:cSld>
     <p:spTree>
@@ -9846,7 +9062,7 @@
 </p:sld>
 </file>
 
-<file path=ppt/slides/slide7.xml><?xml version="1.0" encoding="utf-8"?>
+<file path=ppt/slides/slide11.xml><?xml version="1.0" encoding="utf-8"?>
 <p:sld xmlns:a="http://schemas.openxmlformats.org/drawingml/2006/main" xmlns:r="http://schemas.openxmlformats.org/officeDocument/2006/relationships" xmlns:p="http://schemas.openxmlformats.org/presentationml/2006/main">
   <p:cSld>
     <p:spTree>
@@ -10084,7 +9300,7 @@
 </p:sld>
 </file>
 
-<file path=ppt/slides/slide8.xml><?xml version="1.0" encoding="utf-8"?>
+<file path=ppt/slides/slide12.xml><?xml version="1.0" encoding="utf-8"?>
 <p:sld xmlns:a="http://schemas.openxmlformats.org/drawingml/2006/main" xmlns:r="http://schemas.openxmlformats.org/officeDocument/2006/relationships" xmlns:p="http://schemas.openxmlformats.org/presentationml/2006/main">
   <p:cSld>
     <p:bg>
@@ -10117,7 +9333,7 @@
                 <a16:creationId xmlns:a16="http://schemas.microsoft.com/office/drawing/2014/main" id="{379F11E2-8BA5-4C5C-AE7C-361E5EA011FF}"/>
               </a:ext>
               <a:ext uri="{C183D7F6-B498-43B3-948B-1728B52AA6E4}">
-                <adec:decorative xmlns:adec="http://schemas.microsoft.com/office/drawing/2017/decorative" xmlns="" val="1"/>
+                <adec:decorative xmlns="" xmlns:adec="http://schemas.microsoft.com/office/drawing/2017/decorative" val="1"/>
               </a:ext>
             </a:extLst>
           </p:cNvPr>
@@ -10212,7 +9428,7 @@
                 <a16:creationId xmlns:a16="http://schemas.microsoft.com/office/drawing/2014/main" id="{7C00E1DA-EC7C-40FC-95E3-11FDCD2E4291}"/>
               </a:ext>
               <a:ext uri="{C183D7F6-B498-43B3-948B-1728B52AA6E4}">
-                <adec:decorative xmlns:adec="http://schemas.microsoft.com/office/drawing/2017/decorative" xmlns="" val="1"/>
+                <adec:decorative xmlns="" xmlns:adec="http://schemas.microsoft.com/office/drawing/2017/decorative" val="1"/>
               </a:ext>
             </a:extLst>
           </p:cNvPr>
@@ -10369,7 +9585,7 @@
                 <a16:creationId xmlns:a16="http://schemas.microsoft.com/office/drawing/2014/main" id="{9A421166-2996-41A7-B094-AE5316F347DD}"/>
               </a:ext>
               <a:ext uri="{C183D7F6-B498-43B3-948B-1728B52AA6E4}">
-                <adec:decorative xmlns:adec="http://schemas.microsoft.com/office/drawing/2017/decorative" xmlns="" val="1"/>
+                <adec:decorative xmlns="" xmlns:adec="http://schemas.microsoft.com/office/drawing/2017/decorative" val="1"/>
               </a:ext>
             </a:extLst>
           </p:cNvPr>
@@ -10400,7 +9616,7 @@
                   <a16:creationId xmlns:a16="http://schemas.microsoft.com/office/drawing/2014/main" id="{FDBB1B92-A3EB-43E4-8FAB-D20E8ED14CEF}"/>
                 </a:ext>
                 <a:ext uri="{C183D7F6-B498-43B3-948B-1728B52AA6E4}">
-                  <adec:decorative xmlns:adec="http://schemas.microsoft.com/office/drawing/2017/decorative" xmlns="" val="1"/>
+                  <adec:decorative xmlns="" xmlns:adec="http://schemas.microsoft.com/office/drawing/2017/decorative" val="1"/>
                 </a:ext>
               </a:extLst>
             </p:cNvPr>
@@ -10452,7 +9668,7 @@
                   <a16:creationId xmlns:a16="http://schemas.microsoft.com/office/drawing/2014/main" id="{3F3972F4-FE7E-48EA-AAD8-9BE5750A6672}"/>
                 </a:ext>
                 <a:ext uri="{C183D7F6-B498-43B3-948B-1728B52AA6E4}">
-                  <adec:decorative xmlns:adec="http://schemas.microsoft.com/office/drawing/2017/decorative" xmlns="" val="1"/>
+                  <adec:decorative xmlns="" xmlns:adec="http://schemas.microsoft.com/office/drawing/2017/decorative" val="1"/>
                 </a:ext>
               </a:extLst>
             </p:cNvPr>
@@ -10504,7 +9720,7 @@
                   <a16:creationId xmlns:a16="http://schemas.microsoft.com/office/drawing/2014/main" id="{221614E5-870B-4D5E-A43B-8FF7E5323484}"/>
                 </a:ext>
                 <a:ext uri="{C183D7F6-B498-43B3-948B-1728B52AA6E4}">
-                  <adec:decorative xmlns:adec="http://schemas.microsoft.com/office/drawing/2017/decorative" xmlns="" val="1"/>
+                  <adec:decorative xmlns="" xmlns:adec="http://schemas.microsoft.com/office/drawing/2017/decorative" val="1"/>
                 </a:ext>
               </a:extLst>
             </p:cNvPr>
@@ -10553,6 +9769,914 @@
     <p:extLst>
       <p:ext uri="{BB962C8B-B14F-4D97-AF65-F5344CB8AC3E}">
         <p14:creationId xmlns:p14="http://schemas.microsoft.com/office/powerpoint/2010/main" val="3501347425"/>
+      </p:ext>
+    </p:extLst>
+  </p:cSld>
+  <p:clrMapOvr>
+    <a:masterClrMapping/>
+  </p:clrMapOvr>
+  <p:timing>
+    <p:tnLst>
+      <p:par>
+        <p:cTn id="1" dur="indefinite" restart="never" nodeType="tmRoot"/>
+      </p:par>
+    </p:tnLst>
+  </p:timing>
+</p:sld>
+</file>
+
+<file path=ppt/slides/slide2.xml><?xml version="1.0" encoding="utf-8"?>
+<p:sld xmlns:a="http://schemas.openxmlformats.org/drawingml/2006/main" xmlns:r="http://schemas.openxmlformats.org/officeDocument/2006/relationships" xmlns:p="http://schemas.openxmlformats.org/presentationml/2006/main">
+  <p:cSld>
+    <p:spTree>
+      <p:nvGrpSpPr>
+        <p:cNvPr id="1" name=""/>
+        <p:cNvGrpSpPr/>
+        <p:nvPr/>
+      </p:nvGrpSpPr>
+      <p:grpSpPr>
+        <a:xfrm>
+          <a:off x="0" y="0"/>
+          <a:ext cx="0" cy="0"/>
+          <a:chOff x="0" y="0"/>
+          <a:chExt cx="0" cy="0"/>
+        </a:xfrm>
+      </p:grpSpPr>
+    </p:spTree>
+    <p:extLst>
+      <p:ext uri="{BB962C8B-B14F-4D97-AF65-F5344CB8AC3E}">
+        <p14:creationId xmlns:p14="http://schemas.microsoft.com/office/powerpoint/2010/main" val="1407749600"/>
+      </p:ext>
+    </p:extLst>
+  </p:cSld>
+  <p:clrMapOvr>
+    <a:masterClrMapping/>
+  </p:clrMapOvr>
+</p:sld>
+</file>
+
+<file path=ppt/slides/slide3.xml><?xml version="1.0" encoding="utf-8"?>
+<p:sld xmlns:a="http://schemas.openxmlformats.org/drawingml/2006/main" xmlns:r="http://schemas.openxmlformats.org/officeDocument/2006/relationships" xmlns:p="http://schemas.openxmlformats.org/presentationml/2006/main">
+  <p:cSld>
+    <p:spTree>
+      <p:nvGrpSpPr>
+        <p:cNvPr id="1" name=""/>
+        <p:cNvGrpSpPr/>
+        <p:nvPr/>
+      </p:nvGrpSpPr>
+      <p:grpSpPr>
+        <a:xfrm>
+          <a:off x="0" y="0"/>
+          <a:ext cx="0" cy="0"/>
+          <a:chOff x="0" y="0"/>
+          <a:chExt cx="0" cy="0"/>
+        </a:xfrm>
+      </p:grpSpPr>
+    </p:spTree>
+    <p:extLst>
+      <p:ext uri="{BB962C8B-B14F-4D97-AF65-F5344CB8AC3E}">
+        <p14:creationId xmlns:p14="http://schemas.microsoft.com/office/powerpoint/2010/main" val="2619728529"/>
+      </p:ext>
+    </p:extLst>
+  </p:cSld>
+  <p:clrMapOvr>
+    <a:masterClrMapping/>
+  </p:clrMapOvr>
+</p:sld>
+</file>
+
+<file path=ppt/slides/slide4.xml><?xml version="1.0" encoding="utf-8"?>
+<p:sld xmlns:a="http://schemas.openxmlformats.org/drawingml/2006/main" xmlns:r="http://schemas.openxmlformats.org/officeDocument/2006/relationships" xmlns:p="http://schemas.openxmlformats.org/presentationml/2006/main">
+  <p:cSld>
+    <p:spTree>
+      <p:nvGrpSpPr>
+        <p:cNvPr id="1" name=""/>
+        <p:cNvGrpSpPr/>
+        <p:nvPr/>
+      </p:nvGrpSpPr>
+      <p:grpSpPr>
+        <a:xfrm>
+          <a:off x="0" y="0"/>
+          <a:ext cx="0" cy="0"/>
+          <a:chOff x="0" y="0"/>
+          <a:chExt cx="0" cy="0"/>
+        </a:xfrm>
+      </p:grpSpPr>
+    </p:spTree>
+    <p:extLst>
+      <p:ext uri="{BB962C8B-B14F-4D97-AF65-F5344CB8AC3E}">
+        <p14:creationId xmlns:p14="http://schemas.microsoft.com/office/powerpoint/2010/main" val="3814576976"/>
+      </p:ext>
+    </p:extLst>
+  </p:cSld>
+  <p:clrMapOvr>
+    <a:masterClrMapping/>
+  </p:clrMapOvr>
+</p:sld>
+</file>
+
+<file path=ppt/slides/slide5.xml><?xml version="1.0" encoding="utf-8"?>
+<p:sld xmlns:a="http://schemas.openxmlformats.org/drawingml/2006/main" xmlns:r="http://schemas.openxmlformats.org/officeDocument/2006/relationships" xmlns:p="http://schemas.openxmlformats.org/presentationml/2006/main">
+  <p:cSld>
+    <p:spTree>
+      <p:nvGrpSpPr>
+        <p:cNvPr id="1" name=""/>
+        <p:cNvGrpSpPr/>
+        <p:nvPr/>
+      </p:nvGrpSpPr>
+      <p:grpSpPr>
+        <a:xfrm>
+          <a:off x="0" y="0"/>
+          <a:ext cx="0" cy="0"/>
+          <a:chOff x="0" y="0"/>
+          <a:chExt cx="0" cy="0"/>
+        </a:xfrm>
+      </p:grpSpPr>
+    </p:spTree>
+    <p:extLst>
+      <p:ext uri="{BB962C8B-B14F-4D97-AF65-F5344CB8AC3E}">
+        <p14:creationId xmlns:p14="http://schemas.microsoft.com/office/powerpoint/2010/main" val="2558825207"/>
+      </p:ext>
+    </p:extLst>
+  </p:cSld>
+  <p:clrMapOvr>
+    <a:masterClrMapping/>
+  </p:clrMapOvr>
+</p:sld>
+</file>
+
+<file path=ppt/slides/slide6.xml><?xml version="1.0" encoding="utf-8"?>
+<p:sld xmlns:a="http://schemas.openxmlformats.org/drawingml/2006/main" xmlns:r="http://schemas.openxmlformats.org/officeDocument/2006/relationships" xmlns:p="http://schemas.openxmlformats.org/presentationml/2006/main">
+  <p:cSld>
+    <p:bg>
+      <p:bgPr>
+        <a:solidFill>
+          <a:schemeClr val="bg1"/>
+        </a:solidFill>
+        <a:effectLst/>
+      </p:bgPr>
+    </p:bg>
+    <p:spTree>
+      <p:nvGrpSpPr>
+        <p:cNvPr id="1" name=""/>
+        <p:cNvGrpSpPr/>
+        <p:nvPr/>
+      </p:nvGrpSpPr>
+      <p:grpSpPr>
+        <a:xfrm>
+          <a:off x="0" y="0"/>
+          <a:ext cx="0" cy="0"/>
+          <a:chOff x="0" y="0"/>
+          <a:chExt cx="0" cy="0"/>
+        </a:xfrm>
+      </p:grpSpPr>
+      <p:sp useBgFill="1">
+        <p:nvSpPr>
+          <p:cNvPr id="13" name="Rectangle 12">
+            <a:extLst>
+              <a:ext uri="{FF2B5EF4-FFF2-40B4-BE49-F238E27FC236}">
+                <a16:creationId xmlns:a16="http://schemas.microsoft.com/office/drawing/2014/main" id="{4AE9D071-98CF-435C-BD2B-976514544DC5}"/>
+              </a:ext>
+              <a:ext uri="{C183D7F6-B498-43B3-948B-1728B52AA6E4}">
+                <adec:decorative xmlns="" xmlns:adec="http://schemas.microsoft.com/office/drawing/2017/decorative" val="1"/>
+              </a:ext>
+            </a:extLst>
+          </p:cNvPr>
+          <p:cNvSpPr>
+            <a:spLocks noGrp="1" noRot="1" noChangeAspect="1" noMove="1" noResize="1" noEditPoints="1" noAdjustHandles="1" noChangeArrowheads="1" noChangeShapeType="1" noTextEdit="1"/>
+          </p:cNvSpPr>
+          <p:nvPr>
+            <p:extLst>
+              <p:ext uri="{386F3935-93C4-4BCD-93E2-E3B085C9AB24}">
+                <p16:designElem xmlns:p16="http://schemas.microsoft.com/office/powerpoint/2015/main" val="1"/>
+              </p:ext>
+            </p:extLst>
+          </p:nvPr>
+        </p:nvSpPr>
+        <p:spPr>
+          <a:xfrm>
+            <a:off x="0" y="0"/>
+            <a:ext cx="12192000" cy="6858000"/>
+          </a:xfrm>
+          <a:prstGeom prst="rect">
+            <a:avLst/>
+          </a:prstGeom>
+          <a:ln>
+            <a:noFill/>
+          </a:ln>
+        </p:spPr>
+        <p:style>
+          <a:lnRef idx="2">
+            <a:schemeClr val="accent1">
+              <a:shade val="50000"/>
+            </a:schemeClr>
+          </a:lnRef>
+          <a:fillRef idx="1">
+            <a:schemeClr val="accent1"/>
+          </a:fillRef>
+          <a:effectRef idx="0">
+            <a:schemeClr val="accent1"/>
+          </a:effectRef>
+          <a:fontRef idx="minor">
+            <a:schemeClr val="lt1"/>
+          </a:fontRef>
+        </p:style>
+        <p:txBody>
+          <a:bodyPr rtlCol="0" anchor="ctr"/>
+          <a:lstStyle/>
+          <a:p>
+            <a:pPr algn="ctr"/>
+            <a:endParaRPr lang="en-US" dirty="0"/>
+          </a:p>
+        </p:txBody>
+      </p:sp>
+      <p:pic>
+        <p:nvPicPr>
+          <p:cNvPr id="8" name="Content Placeholder 4" descr="Digital Numbers">
+            <a:extLst>
+              <a:ext uri="{FF2B5EF4-FFF2-40B4-BE49-F238E27FC236}">
+                <a16:creationId xmlns:a16="http://schemas.microsoft.com/office/drawing/2014/main" id="{EA70616B-E344-4856-8DF9-707C26236613}"/>
+              </a:ext>
+            </a:extLst>
+          </p:cNvPr>
+          <p:cNvPicPr>
+            <a:picLocks noChangeAspect="1"/>
+          </p:cNvPicPr>
+          <p:nvPr/>
+        </p:nvPicPr>
+        <p:blipFill rotWithShape="1">
+          <a:blip r:embed="rId3" cstate="screen">
+            <a:extLst>
+              <a:ext uri="{28A0092B-C50C-407E-A947-70E740481C1C}">
+                <a14:useLocalDpi xmlns:a14="http://schemas.microsoft.com/office/drawing/2010/main"/>
+              </a:ext>
+            </a:extLst>
+          </a:blip>
+          <a:srcRect t="10681" r="9091" b="12711"/>
+          <a:stretch/>
+        </p:blipFill>
+        <p:spPr>
+          <a:xfrm>
+            <a:off x="20" y="10"/>
+            <a:ext cx="12191980" cy="6857990"/>
+          </a:xfrm>
+          <a:prstGeom prst="rect">
+            <a:avLst/>
+          </a:prstGeom>
+        </p:spPr>
+      </p:pic>
+      <p:grpSp>
+        <p:nvGrpSpPr>
+          <p:cNvPr id="15" name="Group 14">
+            <a:extLst>
+              <a:ext uri="{FF2B5EF4-FFF2-40B4-BE49-F238E27FC236}">
+                <a16:creationId xmlns:a16="http://schemas.microsoft.com/office/drawing/2014/main" id="{D619FC33-16ED-4246-9596-BEFEB55E4CF6}"/>
+              </a:ext>
+              <a:ext uri="{C183D7F6-B498-43B3-948B-1728B52AA6E4}">
+                <adec:decorative xmlns="" xmlns:adec="http://schemas.microsoft.com/office/drawing/2017/decorative" val="1"/>
+              </a:ext>
+            </a:extLst>
+          </p:cNvPr>
+          <p:cNvGrpSpPr>
+            <a:grpSpLocks noGrp="1" noUngrp="1" noRot="1" noChangeAspect="1" noMove="1" noResize="1"/>
+          </p:cNvGrpSpPr>
+          <p:nvPr>
+            <p:extLst>
+              <p:ext uri="{386F3935-93C4-4BCD-93E2-E3B085C9AB24}">
+                <p16:designElem xmlns:p16="http://schemas.microsoft.com/office/powerpoint/2015/main" val="1"/>
+              </p:ext>
+            </p:extLst>
+          </p:nvPr>
+        </p:nvGrpSpPr>
+        <p:grpSpPr>
+          <a:xfrm>
+            <a:off x="438067" y="457200"/>
+            <a:ext cx="7507083" cy="5935132"/>
+            <a:chOff x="438067" y="457200"/>
+            <a:chExt cx="7507083" cy="5935132"/>
+          </a:xfrm>
+        </p:grpSpPr>
+        <p:sp>
+          <p:nvSpPr>
+            <p:cNvPr id="16" name="Rectangle 15">
+              <a:extLst>
+                <a:ext uri="{FF2B5EF4-FFF2-40B4-BE49-F238E27FC236}">
+                  <a16:creationId xmlns:a16="http://schemas.microsoft.com/office/drawing/2014/main" id="{2EEA80E1-F99F-4009-837F-2F72F8A5D580}"/>
+                </a:ext>
+                <a:ext uri="{C183D7F6-B498-43B3-948B-1728B52AA6E4}">
+                  <adec:decorative xmlns="" xmlns:adec="http://schemas.microsoft.com/office/drawing/2017/decorative" val="1"/>
+                </a:ext>
+              </a:extLst>
+            </p:cNvPr>
+            <p:cNvSpPr/>
+            <p:nvPr>
+              <p:extLst>
+                <p:ext uri="{386F3935-93C4-4BCD-93E2-E3B085C9AB24}">
+                  <p16:designElem xmlns:p16="http://schemas.microsoft.com/office/powerpoint/2015/main" val="1"/>
+                </p:ext>
+              </p:extLst>
+            </p:nvPr>
+          </p:nvSpPr>
+          <p:spPr>
+            <a:xfrm>
+              <a:off x="438067" y="618067"/>
+              <a:ext cx="7503665" cy="5774265"/>
+            </a:xfrm>
+            <a:prstGeom prst="rect">
+              <a:avLst/>
+            </a:prstGeom>
+            <a:solidFill>
+              <a:schemeClr val="accent1">
+                <a:alpha val="97000"/>
+              </a:schemeClr>
+            </a:solidFill>
+            <a:ln w="6350" cmpd="sng">
+              <a:noFill/>
+            </a:ln>
+            <a:effectLst/>
+          </p:spPr>
+          <p:style>
+            <a:lnRef idx="1">
+              <a:schemeClr val="accent1"/>
+            </a:lnRef>
+            <a:fillRef idx="3">
+              <a:schemeClr val="accent1"/>
+            </a:fillRef>
+            <a:effectRef idx="2">
+              <a:schemeClr val="accent1"/>
+            </a:effectRef>
+            <a:fontRef idx="minor">
+              <a:schemeClr val="lt1"/>
+            </a:fontRef>
+          </p:style>
+        </p:sp>
+        <p:sp>
+          <p:nvSpPr>
+            <p:cNvPr id="17" name="Rectangle 16">
+              <a:extLst>
+                <a:ext uri="{FF2B5EF4-FFF2-40B4-BE49-F238E27FC236}">
+                  <a16:creationId xmlns:a16="http://schemas.microsoft.com/office/drawing/2014/main" id="{0230AF9A-4641-4BD8-9F95-9607CD304039}"/>
+                </a:ext>
+                <a:ext uri="{C183D7F6-B498-43B3-948B-1728B52AA6E4}">
+                  <adec:decorative xmlns="" xmlns:adec="http://schemas.microsoft.com/office/drawing/2017/decorative" val="1"/>
+                </a:ext>
+              </a:extLst>
+            </p:cNvPr>
+            <p:cNvSpPr/>
+            <p:nvPr>
+              <p:extLst>
+                <p:ext uri="{386F3935-93C4-4BCD-93E2-E3B085C9AB24}">
+                  <p16:designElem xmlns:p16="http://schemas.microsoft.com/office/powerpoint/2015/main" val="1"/>
+                </p:ext>
+              </p:extLst>
+            </p:nvPr>
+          </p:nvSpPr>
+          <p:spPr>
+            <a:xfrm>
+              <a:off x="438068" y="457200"/>
+              <a:ext cx="3703320" cy="94997"/>
+            </a:xfrm>
+            <a:prstGeom prst="rect">
+              <a:avLst/>
+            </a:prstGeom>
+            <a:solidFill>
+              <a:schemeClr val="accent1"/>
+            </a:solidFill>
+            <a:ln>
+              <a:noFill/>
+            </a:ln>
+            <a:effectLst/>
+          </p:spPr>
+          <p:style>
+            <a:lnRef idx="1">
+              <a:schemeClr val="accent1"/>
+            </a:lnRef>
+            <a:fillRef idx="3">
+              <a:schemeClr val="accent1"/>
+            </a:fillRef>
+            <a:effectRef idx="2">
+              <a:schemeClr val="accent1"/>
+            </a:effectRef>
+            <a:fontRef idx="minor">
+              <a:schemeClr val="lt1"/>
+            </a:fontRef>
+          </p:style>
+        </p:sp>
+        <p:sp>
+          <p:nvSpPr>
+            <p:cNvPr id="18" name="Rectangle 17">
+              <a:extLst>
+                <a:ext uri="{FF2B5EF4-FFF2-40B4-BE49-F238E27FC236}">
+                  <a16:creationId xmlns:a16="http://schemas.microsoft.com/office/drawing/2014/main" id="{8703D4EC-9389-41B6-B88B-B6FDC8CD3330}"/>
+                </a:ext>
+                <a:ext uri="{C183D7F6-B498-43B3-948B-1728B52AA6E4}">
+                  <adec:decorative xmlns="" xmlns:adec="http://schemas.microsoft.com/office/drawing/2017/decorative" val="1"/>
+                </a:ext>
+              </a:extLst>
+            </p:cNvPr>
+            <p:cNvSpPr/>
+            <p:nvPr>
+              <p:extLst>
+                <p:ext uri="{386F3935-93C4-4BCD-93E2-E3B085C9AB24}">
+                  <p16:designElem xmlns:p16="http://schemas.microsoft.com/office/powerpoint/2015/main" val="1"/>
+                </p:ext>
+              </p:extLst>
+            </p:nvPr>
+          </p:nvSpPr>
+          <p:spPr>
+            <a:xfrm>
+              <a:off x="4241830" y="457200"/>
+              <a:ext cx="3703320" cy="91440"/>
+            </a:xfrm>
+            <a:prstGeom prst="rect">
+              <a:avLst/>
+            </a:prstGeom>
+            <a:solidFill>
+              <a:schemeClr val="accent2"/>
+            </a:solidFill>
+            <a:ln>
+              <a:noFill/>
+            </a:ln>
+            <a:effectLst/>
+          </p:spPr>
+          <p:style>
+            <a:lnRef idx="1">
+              <a:schemeClr val="accent1"/>
+            </a:lnRef>
+            <a:fillRef idx="3">
+              <a:schemeClr val="accent1"/>
+            </a:fillRef>
+            <a:effectRef idx="2">
+              <a:schemeClr val="accent1"/>
+            </a:effectRef>
+            <a:fontRef idx="minor">
+              <a:schemeClr val="lt1"/>
+            </a:fontRef>
+          </p:style>
+        </p:sp>
+      </p:grpSp>
+      <p:sp>
+        <p:nvSpPr>
+          <p:cNvPr id="2" name="Title 1">
+            <a:extLst>
+              <a:ext uri="{FF2B5EF4-FFF2-40B4-BE49-F238E27FC236}">
+                <a16:creationId xmlns:a16="http://schemas.microsoft.com/office/drawing/2014/main" id="{7F2616EE-270D-4F4C-BA1F-2708D387B800}"/>
+              </a:ext>
+            </a:extLst>
+          </p:cNvPr>
+          <p:cNvSpPr>
+            <a:spLocks noGrp="1"/>
+          </p:cNvSpPr>
+          <p:nvPr>
+            <p:ph type="title"/>
+          </p:nvPr>
+        </p:nvSpPr>
+        <p:spPr>
+          <a:xfrm>
+            <a:off x="584200" y="1006956"/>
+            <a:ext cx="7213600" cy="1121871"/>
+          </a:xfrm>
+        </p:spPr>
+        <p:txBody>
+          <a:bodyPr anchor="ctr">
+            <a:normAutofit/>
+          </a:bodyPr>
+          <a:lstStyle/>
+          <a:p>
+            <a:pPr algn="ctr"/>
+            <a:r>
+              <a:rPr lang="en-US" dirty="0" smtClean="0"/>
+              <a:t>plan</a:t>
+            </a:r>
+            <a:endParaRPr lang="en-US" dirty="0"/>
+          </a:p>
+        </p:txBody>
+      </p:sp>
+      <p:graphicFrame>
+        <p:nvGraphicFramePr>
+          <p:cNvPr id="6" name="Content Placeholder 5" descr="SmartArt">
+            <a:extLst>
+              <a:ext uri="{FF2B5EF4-FFF2-40B4-BE49-F238E27FC236}">
+                <a16:creationId xmlns:a16="http://schemas.microsoft.com/office/drawing/2014/main" id="{BF629521-FFD2-45DA-9D1D-A5F09BD5A2D9}"/>
+              </a:ext>
+            </a:extLst>
+          </p:cNvPr>
+          <p:cNvGraphicFramePr>
+            <a:graphicFrameLocks noGrp="1"/>
+          </p:cNvGraphicFramePr>
+          <p:nvPr>
+            <p:ph idx="1"/>
+            <p:extLst>
+              <p:ext uri="{D42A27DB-BD31-4B8C-83A1-F6EECF244321}">
+                <p14:modId xmlns:p14="http://schemas.microsoft.com/office/powerpoint/2010/main" val="3148678175"/>
+              </p:ext>
+            </p:extLst>
+          </p:nvPr>
+        </p:nvGraphicFramePr>
+        <p:xfrm>
+          <a:off x="719571" y="2198254"/>
+          <a:ext cx="6854248" cy="3563938"/>
+        </p:xfrm>
+        <a:graphic>
+          <a:graphicData uri="http://schemas.openxmlformats.org/drawingml/2006/diagram">
+            <dgm:relIds xmlns:dgm="http://schemas.openxmlformats.org/drawingml/2006/diagram" xmlns:r="http://schemas.openxmlformats.org/officeDocument/2006/relationships" r:dm="rId4" r:lo="rId5" r:qs="rId6" r:cs="rId7"/>
+          </a:graphicData>
+        </a:graphic>
+      </p:graphicFrame>
+    </p:spTree>
+    <p:extLst>
+      <p:ext uri="{BB962C8B-B14F-4D97-AF65-F5344CB8AC3E}">
+        <p14:creationId xmlns:p14="http://schemas.microsoft.com/office/powerpoint/2010/main" val="4209322005"/>
+      </p:ext>
+    </p:extLst>
+  </p:cSld>
+  <p:clrMapOvr>
+    <a:masterClrMapping/>
+  </p:clrMapOvr>
+</p:sld>
+</file>
+
+<file path=ppt/slides/slide7.xml><?xml version="1.0" encoding="utf-8"?>
+<p:sld xmlns:a="http://schemas.openxmlformats.org/drawingml/2006/main" xmlns:r="http://schemas.openxmlformats.org/officeDocument/2006/relationships" xmlns:p="http://schemas.openxmlformats.org/presentationml/2006/main">
+  <p:cSld>
+    <p:spTree>
+      <p:nvGrpSpPr>
+        <p:cNvPr id="1" name=""/>
+        <p:cNvGrpSpPr/>
+        <p:nvPr/>
+      </p:nvGrpSpPr>
+      <p:grpSpPr>
+        <a:xfrm>
+          <a:off x="0" y="0"/>
+          <a:ext cx="0" cy="0"/>
+          <a:chOff x="0" y="0"/>
+          <a:chExt cx="0" cy="0"/>
+        </a:xfrm>
+      </p:grpSpPr>
+      <p:sp>
+        <p:nvSpPr>
+          <p:cNvPr id="2" name="Title 1"/>
+          <p:cNvSpPr>
+            <a:spLocks noGrp="1"/>
+          </p:cNvSpPr>
+          <p:nvPr>
+            <p:ph type="title"/>
+          </p:nvPr>
+        </p:nvSpPr>
+        <p:spPr>
+          <a:xfrm>
+            <a:off x="581191" y="918287"/>
+            <a:ext cx="11029616" cy="1013800"/>
+          </a:xfrm>
+        </p:spPr>
+        <p:txBody>
+          <a:bodyPr/>
+          <a:lstStyle/>
+          <a:p>
+            <a:r>
+              <a:rPr lang="en-US" dirty="0"/>
+              <a:t>Comment ça marche git et github 	</a:t>
+            </a:r>
+            <a:br>
+              <a:rPr lang="en-US" dirty="0"/>
+            </a:br>
+            <a:endParaRPr lang="en-US" dirty="0"/>
+          </a:p>
+        </p:txBody>
+      </p:sp>
+      <p:pic>
+        <p:nvPicPr>
+          <p:cNvPr id="4" name="Content Placeholder 3"/>
+          <p:cNvPicPr>
+            <a:picLocks noGrp="1" noChangeAspect="1"/>
+          </p:cNvPicPr>
+          <p:nvPr>
+            <p:ph idx="1"/>
+          </p:nvPr>
+        </p:nvPicPr>
+        <p:blipFill>
+          <a:blip r:embed="rId2">
+            <a:extLst>
+              <a:ext uri="{28A0092B-C50C-407E-A947-70E740481C1C}">
+                <a14:useLocalDpi xmlns:a14="http://schemas.microsoft.com/office/drawing/2010/main" val="0"/>
+              </a:ext>
+            </a:extLst>
+          </a:blip>
+          <a:stretch>
+            <a:fillRect/>
+          </a:stretch>
+        </p:blipFill>
+        <p:spPr>
+          <a:xfrm>
+            <a:off x="1556728" y="2181225"/>
+            <a:ext cx="8679533" cy="3678238"/>
+          </a:xfrm>
+        </p:spPr>
+      </p:pic>
+    </p:spTree>
+    <p:extLst>
+      <p:ext uri="{BB962C8B-B14F-4D97-AF65-F5344CB8AC3E}">
+        <p14:creationId xmlns:p14="http://schemas.microsoft.com/office/powerpoint/2010/main" val="3529108928"/>
+      </p:ext>
+    </p:extLst>
+  </p:cSld>
+  <p:clrMapOvr>
+    <a:masterClrMapping/>
+  </p:clrMapOvr>
+  <p:timing>
+    <p:tnLst>
+      <p:par>
+        <p:cTn id="1" dur="indefinite" restart="never" nodeType="tmRoot"/>
+      </p:par>
+    </p:tnLst>
+  </p:timing>
+</p:sld>
+</file>
+
+<file path=ppt/slides/slide8.xml><?xml version="1.0" encoding="utf-8"?>
+<p:sld xmlns:a="http://schemas.openxmlformats.org/drawingml/2006/main" xmlns:r="http://schemas.openxmlformats.org/officeDocument/2006/relationships" xmlns:p="http://schemas.openxmlformats.org/presentationml/2006/main">
+  <p:cSld>
+    <p:spTree>
+      <p:nvGrpSpPr>
+        <p:cNvPr id="1" name=""/>
+        <p:cNvGrpSpPr/>
+        <p:nvPr/>
+      </p:nvGrpSpPr>
+      <p:grpSpPr>
+        <a:xfrm>
+          <a:off x="0" y="0"/>
+          <a:ext cx="0" cy="0"/>
+          <a:chOff x="0" y="0"/>
+          <a:chExt cx="0" cy="0"/>
+        </a:xfrm>
+      </p:grpSpPr>
+      <p:sp>
+        <p:nvSpPr>
+          <p:cNvPr id="2" name="Title 1"/>
+          <p:cNvSpPr>
+            <a:spLocks noGrp="1"/>
+          </p:cNvSpPr>
+          <p:nvPr>
+            <p:ph type="title"/>
+          </p:nvPr>
+        </p:nvSpPr>
+        <p:spPr>
+          <a:xfrm>
+            <a:off x="581191" y="943225"/>
+            <a:ext cx="11029616" cy="1013800"/>
+          </a:xfrm>
+        </p:spPr>
+        <p:txBody>
+          <a:bodyPr/>
+          <a:lstStyle/>
+          <a:p>
+            <a:r>
+              <a:rPr lang="en-US" dirty="0"/>
+              <a:t>Les command </a:t>
+            </a:r>
+            <a:r>
+              <a:rPr lang="fr-FR" dirty="0"/>
+              <a:t>git</a:t>
+            </a:r>
+            <a:br>
+              <a:rPr lang="fr-FR" dirty="0"/>
+            </a:br>
+            <a:endParaRPr lang="en-US" dirty="0"/>
+          </a:p>
+        </p:txBody>
+      </p:sp>
+      <p:sp>
+        <p:nvSpPr>
+          <p:cNvPr id="3" name="Content Placeholder 2"/>
+          <p:cNvSpPr>
+            <a:spLocks noGrp="1"/>
+          </p:cNvSpPr>
+          <p:nvPr>
+            <p:ph idx="1"/>
+          </p:nvPr>
+        </p:nvSpPr>
+        <p:spPr>
+          <a:xfrm>
+            <a:off x="581192" y="2180496"/>
+            <a:ext cx="11029615" cy="845337"/>
+          </a:xfrm>
+        </p:spPr>
+        <p:txBody>
+          <a:bodyPr/>
+          <a:lstStyle/>
+          <a:p>
+            <a:r>
+              <a:rPr lang="en-US" dirty="0" smtClean="0"/>
+              <a:t>1)FORK </a:t>
+            </a:r>
+            <a:endParaRPr lang="en-US" dirty="0"/>
+          </a:p>
+        </p:txBody>
+      </p:sp>
+      <p:pic>
+        <p:nvPicPr>
+          <p:cNvPr id="4" name="Picture 3"/>
+          <p:cNvPicPr>
+            <a:picLocks noChangeAspect="1"/>
+          </p:cNvPicPr>
+          <p:nvPr/>
+        </p:nvPicPr>
+        <p:blipFill>
+          <a:blip r:embed="rId2">
+            <a:extLst>
+              <a:ext uri="{28A0092B-C50C-407E-A947-70E740481C1C}">
+                <a14:useLocalDpi xmlns:a14="http://schemas.microsoft.com/office/drawing/2010/main" val="0"/>
+              </a:ext>
+            </a:extLst>
+          </a:blip>
+          <a:stretch>
+            <a:fillRect/>
+          </a:stretch>
+        </p:blipFill>
+        <p:spPr>
+          <a:xfrm>
+            <a:off x="2418304" y="2310939"/>
+            <a:ext cx="7989230" cy="4147574"/>
+          </a:xfrm>
+          <a:prstGeom prst="rect">
+            <a:avLst/>
+          </a:prstGeom>
+        </p:spPr>
+      </p:pic>
+      <p:sp>
+        <p:nvSpPr>
+          <p:cNvPr id="5" name="Right Arrow 4"/>
+          <p:cNvSpPr/>
+          <p:nvPr/>
+        </p:nvSpPr>
+        <p:spPr>
+          <a:xfrm>
+            <a:off x="8362604" y="2740640"/>
+            <a:ext cx="739833" cy="415636"/>
+          </a:xfrm>
+          <a:prstGeom prst="rightArrow">
+            <a:avLst/>
+          </a:prstGeom>
+        </p:spPr>
+        <p:style>
+          <a:lnRef idx="2">
+            <a:schemeClr val="accent1">
+              <a:shade val="50000"/>
+            </a:schemeClr>
+          </a:lnRef>
+          <a:fillRef idx="1">
+            <a:schemeClr val="accent1"/>
+          </a:fillRef>
+          <a:effectRef idx="0">
+            <a:schemeClr val="accent1"/>
+          </a:effectRef>
+          <a:fontRef idx="minor">
+            <a:schemeClr val="lt1"/>
+          </a:fontRef>
+        </p:style>
+        <p:txBody>
+          <a:bodyPr rtlCol="0" anchor="ctr"/>
+          <a:lstStyle/>
+          <a:p>
+            <a:pPr algn="ctr"/>
+            <a:endParaRPr lang="en-US"/>
+          </a:p>
+        </p:txBody>
+      </p:sp>
+    </p:spTree>
+    <p:extLst>
+      <p:ext uri="{BB962C8B-B14F-4D97-AF65-F5344CB8AC3E}">
+        <p14:creationId xmlns:p14="http://schemas.microsoft.com/office/powerpoint/2010/main" val="2640740041"/>
+      </p:ext>
+    </p:extLst>
+  </p:cSld>
+  <p:clrMapOvr>
+    <a:masterClrMapping/>
+  </p:clrMapOvr>
+  <p:timing>
+    <p:tnLst>
+      <p:par>
+        <p:cTn id="1" dur="indefinite" restart="never" nodeType="tmRoot"/>
+      </p:par>
+    </p:tnLst>
+  </p:timing>
+</p:sld>
+</file>
+
+<file path=ppt/slides/slide9.xml><?xml version="1.0" encoding="utf-8"?>
+<p:sld xmlns:a="http://schemas.openxmlformats.org/drawingml/2006/main" xmlns:r="http://schemas.openxmlformats.org/officeDocument/2006/relationships" xmlns:p="http://schemas.openxmlformats.org/presentationml/2006/main">
+  <p:cSld>
+    <p:spTree>
+      <p:nvGrpSpPr>
+        <p:cNvPr id="1" name=""/>
+        <p:cNvGrpSpPr/>
+        <p:nvPr/>
+      </p:nvGrpSpPr>
+      <p:grpSpPr>
+        <a:xfrm>
+          <a:off x="0" y="0"/>
+          <a:ext cx="0" cy="0"/>
+          <a:chOff x="0" y="0"/>
+          <a:chExt cx="0" cy="0"/>
+        </a:xfrm>
+      </p:grpSpPr>
+      <p:sp>
+        <p:nvSpPr>
+          <p:cNvPr id="2" name="Title 1"/>
+          <p:cNvSpPr>
+            <a:spLocks noGrp="1"/>
+          </p:cNvSpPr>
+          <p:nvPr>
+            <p:ph type="title"/>
+          </p:nvPr>
+        </p:nvSpPr>
+        <p:spPr>
+          <a:xfrm>
+            <a:off x="581192" y="893349"/>
+            <a:ext cx="11029616" cy="1013800"/>
+          </a:xfrm>
+        </p:spPr>
+        <p:txBody>
+          <a:bodyPr/>
+          <a:lstStyle/>
+          <a:p>
+            <a:r>
+              <a:rPr lang="en-US" dirty="0"/>
+              <a:t>Les command </a:t>
+            </a:r>
+            <a:r>
+              <a:rPr lang="fr-FR" dirty="0"/>
+              <a:t>git</a:t>
+            </a:r>
+            <a:br>
+              <a:rPr lang="fr-FR" dirty="0"/>
+            </a:br>
+            <a:endParaRPr lang="en-US" dirty="0"/>
+          </a:p>
+        </p:txBody>
+      </p:sp>
+      <p:sp>
+        <p:nvSpPr>
+          <p:cNvPr id="3" name="Content Placeholder 2"/>
+          <p:cNvSpPr>
+            <a:spLocks noGrp="1"/>
+          </p:cNvSpPr>
+          <p:nvPr>
+            <p:ph idx="1"/>
+          </p:nvPr>
+        </p:nvSpPr>
+        <p:spPr>
+          <a:xfrm>
+            <a:off x="581192" y="2180497"/>
+            <a:ext cx="11029615" cy="978339"/>
+          </a:xfrm>
+        </p:spPr>
+        <p:txBody>
+          <a:bodyPr/>
+          <a:lstStyle/>
+          <a:p>
+            <a:r>
+              <a:rPr lang="en-US" dirty="0" smtClean="0"/>
+              <a:t>2)clone</a:t>
+            </a:r>
+            <a:endParaRPr lang="en-US" dirty="0"/>
+          </a:p>
+        </p:txBody>
+      </p:sp>
+      <p:pic>
+        <p:nvPicPr>
+          <p:cNvPr id="4" name="Picture 3"/>
+          <p:cNvPicPr>
+            <a:picLocks noChangeAspect="1"/>
+          </p:cNvPicPr>
+          <p:nvPr/>
+        </p:nvPicPr>
+        <p:blipFill>
+          <a:blip r:embed="rId2">
+            <a:extLst>
+              <a:ext uri="{28A0092B-C50C-407E-A947-70E740481C1C}">
+                <a14:useLocalDpi xmlns:a14="http://schemas.microsoft.com/office/drawing/2010/main" val="0"/>
+              </a:ext>
+            </a:extLst>
+          </a:blip>
+          <a:stretch>
+            <a:fillRect/>
+          </a:stretch>
+        </p:blipFill>
+        <p:spPr>
+          <a:xfrm>
+            <a:off x="711305" y="3158836"/>
+            <a:ext cx="5515745" cy="2819817"/>
+          </a:xfrm>
+          <a:prstGeom prst="rect">
+            <a:avLst/>
+          </a:prstGeom>
+        </p:spPr>
+      </p:pic>
+    </p:spTree>
+    <p:extLst>
+      <p:ext uri="{BB962C8B-B14F-4D97-AF65-F5344CB8AC3E}">
+        <p14:creationId xmlns:p14="http://schemas.microsoft.com/office/powerpoint/2010/main" val="1514852365"/>
       </p:ext>
     </p:extLst>
   </p:cSld>
@@ -11438,15 +11562,6 @@
 </file>
 
 <file path=customXml/item2.xml><?xml version="1.0" encoding="utf-8"?>
-<?mso-contentType ?>
-<FormTemplates xmlns="http://schemas.microsoft.com/sharepoint/v3/contenttype/forms">
-  <Display>DocumentLibraryForm</Display>
-  <Edit>DocumentLibraryForm</Edit>
-  <New>DocumentLibraryForm</New>
-</FormTemplates>
-</file>
-
-<file path=customXml/item3.xml><?xml version="1.0" encoding="utf-8"?>
 <ct:contentTypeSchema xmlns:ct="http://schemas.microsoft.com/office/2006/metadata/contentType" xmlns:ma="http://schemas.microsoft.com/office/2006/metadata/properties/metaAttributes" ct:_="" ma:_="" ma:contentTypeName="Document" ma:contentTypeID="0x01010079F111ED35F8CC479449609E8A0923A6" ma:contentTypeVersion="12" ma:contentTypeDescription="Create a new document." ma:contentTypeScope="" ma:versionID="b385d60f68dd989dca1fdc827799d853">
   <xsd:schema xmlns:xsd="http://www.w3.org/2001/XMLSchema" xmlns:xs="http://www.w3.org/2001/XMLSchema" xmlns:p="http://schemas.microsoft.com/office/2006/metadata/properties" xmlns:ns2="71af3243-3dd4-4a8d-8c0d-dd76da1f02a5" xmlns:ns3="16c05727-aa75-4e4a-9b5f-8a80a1165891" targetNamespace="http://schemas.microsoft.com/office/2006/metadata/properties" ma:root="true" ma:fieldsID="1911b479caf7b199da365455750e4572" ns2:_="" ns3:_="">
     <xsd:import namespace="71af3243-3dd4-4a8d-8c0d-dd76da1f02a5"/>
@@ -11667,25 +11782,33 @@
 </ct:contentTypeSchema>
 </file>
 
+<file path=customXml/item3.xml><?xml version="1.0" encoding="utf-8"?>
+<?mso-contentType ?>
+<FormTemplates xmlns="http://schemas.microsoft.com/sharepoint/v3/contenttype/forms">
+  <Display>DocumentLibraryForm</Display>
+  <Edit>DocumentLibraryForm</Edit>
+  <New>DocumentLibraryForm</New>
+</FormTemplates>
+</file>
+
 <file path=customXml/itemProps1.xml><?xml version="1.0" encoding="utf-8"?>
 <ds:datastoreItem xmlns:ds="http://schemas.openxmlformats.org/officeDocument/2006/customXml" ds:itemID="{FF5C8BF1-B0E4-49A1-808F-40F2AD30E743}">
   <ds:schemaRefs>
+    <ds:schemaRef ds:uri="http://schemas.microsoft.com/office/2006/documentManagement/types"/>
+    <ds:schemaRef ds:uri="http://purl.org/dc/terms/"/>
+    <ds:schemaRef ds:uri="http://schemas.openxmlformats.org/package/2006/metadata/core-properties"/>
+    <ds:schemaRef ds:uri="16c05727-aa75-4e4a-9b5f-8a80a1165891"/>
+    <ds:schemaRef ds:uri="http://purl.org/dc/dcmitype/"/>
+    <ds:schemaRef ds:uri="http://schemas.microsoft.com/office/infopath/2007/PartnerControls"/>
+    <ds:schemaRef ds:uri="http://purl.org/dc/elements/1.1/"/>
     <ds:schemaRef ds:uri="http://schemas.microsoft.com/office/2006/metadata/properties"/>
-    <ds:schemaRef ds:uri="http://schemas.microsoft.com/office/infopath/2007/PartnerControls"/>
     <ds:schemaRef ds:uri="71af3243-3dd4-4a8d-8c0d-dd76da1f02a5"/>
+    <ds:schemaRef ds:uri="http://www.w3.org/XML/1998/namespace"/>
   </ds:schemaRefs>
 </ds:datastoreItem>
 </file>
 
 <file path=customXml/itemProps2.xml><?xml version="1.0" encoding="utf-8"?>
-<ds:datastoreItem xmlns:ds="http://schemas.openxmlformats.org/officeDocument/2006/customXml" ds:itemID="{E3FC8A1C-A436-42C0-AC33-FAFFFAF219BC}">
-  <ds:schemaRefs>
-    <ds:schemaRef ds:uri="http://schemas.microsoft.com/sharepoint/v3/contenttype/forms"/>
-  </ds:schemaRefs>
-</ds:datastoreItem>
-</file>
-
-<file path=customXml/itemProps3.xml><?xml version="1.0" encoding="utf-8"?>
 <ds:datastoreItem xmlns:ds="http://schemas.openxmlformats.org/officeDocument/2006/customXml" ds:itemID="{E3852F5D-AAE7-473B-9767-8875B60BC63B}">
   <ds:schemaRefs>
     <ds:schemaRef ds:uri="http://schemas.microsoft.com/office/2006/metadata/contentType"/>
@@ -11702,4 +11825,12 @@
     <ds:schemaRef ds:uri="http://schemas.microsoft.com/internal/obd"/>
   </ds:schemaRefs>
 </ds:datastoreItem>
+</file>
+
+<file path=customXml/itemProps3.xml><?xml version="1.0" encoding="utf-8"?>
+<ds:datastoreItem xmlns:ds="http://schemas.openxmlformats.org/officeDocument/2006/customXml" ds:itemID="{E3FC8A1C-A436-42C0-AC33-FAFFFAF219BC}">
+  <ds:schemaRefs>
+    <ds:schemaRef ds:uri="http://schemas.microsoft.com/sharepoint/v3/contenttype/forms"/>
+  </ds:schemaRefs>
+</ds:datastoreItem>
 </file>